--- a/5tob_projection/figures/voxel_node.pptx
+++ b/5tob_projection/figures/voxel_node.pptx
@@ -197,7 +197,7 @@
           <a:p>
             <a:fld id="{5B93BD67-666E-ED4C-9D37-9EFB16B8904C}" type="datetimeFigureOut">
               <a:rPr lang="en-GB" smtClean="0"/>
-              <a:t>03/03/2020</a:t>
+              <a:t>03/11/2021</a:t>
             </a:fld>
             <a:endParaRPr lang="en-GB"/>
           </a:p>
@@ -695,7 +695,7 @@
           <a:p>
             <a:fld id="{EEAF3BCB-D152-DC4C-9FA3-9E412CB2FC19}" type="datetimeFigureOut">
               <a:rPr lang="en-GB" smtClean="0"/>
-              <a:t>03/03/2020</a:t>
+              <a:t>03/11/2021</a:t>
             </a:fld>
             <a:endParaRPr lang="en-GB"/>
           </a:p>
@@ -893,7 +893,7 @@
           <a:p>
             <a:fld id="{EEAF3BCB-D152-DC4C-9FA3-9E412CB2FC19}" type="datetimeFigureOut">
               <a:rPr lang="en-GB" smtClean="0"/>
-              <a:t>03/03/2020</a:t>
+              <a:t>03/11/2021</a:t>
             </a:fld>
             <a:endParaRPr lang="en-GB"/>
           </a:p>
@@ -1101,7 +1101,7 @@
           <a:p>
             <a:fld id="{EEAF3BCB-D152-DC4C-9FA3-9E412CB2FC19}" type="datetimeFigureOut">
               <a:rPr lang="en-GB" smtClean="0"/>
-              <a:t>03/03/2020</a:t>
+              <a:t>03/11/2021</a:t>
             </a:fld>
             <a:endParaRPr lang="en-GB"/>
           </a:p>
@@ -1299,7 +1299,7 @@
           <a:p>
             <a:fld id="{EEAF3BCB-D152-DC4C-9FA3-9E412CB2FC19}" type="datetimeFigureOut">
               <a:rPr lang="en-GB" smtClean="0"/>
-              <a:t>03/03/2020</a:t>
+              <a:t>03/11/2021</a:t>
             </a:fld>
             <a:endParaRPr lang="en-GB"/>
           </a:p>
@@ -1574,7 +1574,7 @@
           <a:p>
             <a:fld id="{EEAF3BCB-D152-DC4C-9FA3-9E412CB2FC19}" type="datetimeFigureOut">
               <a:rPr lang="en-GB" smtClean="0"/>
-              <a:t>03/03/2020</a:t>
+              <a:t>03/11/2021</a:t>
             </a:fld>
             <a:endParaRPr lang="en-GB"/>
           </a:p>
@@ -1839,7 +1839,7 @@
           <a:p>
             <a:fld id="{EEAF3BCB-D152-DC4C-9FA3-9E412CB2FC19}" type="datetimeFigureOut">
               <a:rPr lang="en-GB" smtClean="0"/>
-              <a:t>03/03/2020</a:t>
+              <a:t>03/11/2021</a:t>
             </a:fld>
             <a:endParaRPr lang="en-GB"/>
           </a:p>
@@ -2251,7 +2251,7 @@
           <a:p>
             <a:fld id="{EEAF3BCB-D152-DC4C-9FA3-9E412CB2FC19}" type="datetimeFigureOut">
               <a:rPr lang="en-GB" smtClean="0"/>
-              <a:t>03/03/2020</a:t>
+              <a:t>03/11/2021</a:t>
             </a:fld>
             <a:endParaRPr lang="en-GB"/>
           </a:p>
@@ -2392,7 +2392,7 @@
           <a:p>
             <a:fld id="{EEAF3BCB-D152-DC4C-9FA3-9E412CB2FC19}" type="datetimeFigureOut">
               <a:rPr lang="en-GB" smtClean="0"/>
-              <a:t>03/03/2020</a:t>
+              <a:t>03/11/2021</a:t>
             </a:fld>
             <a:endParaRPr lang="en-GB"/>
           </a:p>
@@ -2505,7 +2505,7 @@
           <a:p>
             <a:fld id="{EEAF3BCB-D152-DC4C-9FA3-9E412CB2FC19}" type="datetimeFigureOut">
               <a:rPr lang="en-GB" smtClean="0"/>
-              <a:t>03/03/2020</a:t>
+              <a:t>03/11/2021</a:t>
             </a:fld>
             <a:endParaRPr lang="en-GB"/>
           </a:p>
@@ -2816,7 +2816,7 @@
           <a:p>
             <a:fld id="{EEAF3BCB-D152-DC4C-9FA3-9E412CB2FC19}" type="datetimeFigureOut">
               <a:rPr lang="en-GB" smtClean="0"/>
-              <a:t>03/03/2020</a:t>
+              <a:t>03/11/2021</a:t>
             </a:fld>
             <a:endParaRPr lang="en-GB"/>
           </a:p>
@@ -3104,7 +3104,7 @@
           <a:p>
             <a:fld id="{EEAF3BCB-D152-DC4C-9FA3-9E412CB2FC19}" type="datetimeFigureOut">
               <a:rPr lang="en-GB" smtClean="0"/>
-              <a:t>03/03/2020</a:t>
+              <a:t>03/11/2021</a:t>
             </a:fld>
             <a:endParaRPr lang="en-GB"/>
           </a:p>
@@ -3345,7 +3345,7 @@
           <a:p>
             <a:fld id="{EEAF3BCB-D152-DC4C-9FA3-9E412CB2FC19}" type="datetimeFigureOut">
               <a:rPr lang="en-GB" smtClean="0"/>
-              <a:t>03/03/2020</a:t>
+              <a:t>03/11/2021</a:t>
             </a:fld>
             <a:endParaRPr lang="en-GB"/>
           </a:p>
@@ -5553,7 +5553,7 @@
         <p:spPr>
           <a:xfrm>
             <a:off x="3021352" y="1382589"/>
-            <a:ext cx="832279" cy="430887"/>
+            <a:ext cx="848309" cy="430887"/>
           </a:xfrm>
           <a:prstGeom prst="rect">
             <a:avLst/>
@@ -5570,7 +5570,7 @@
               <a:rPr lang="en-GB" sz="2200" dirty="0">
                 <a:latin typeface="Helvetica" pitchFamily="2" charset="0"/>
               </a:rPr>
-              <a:t>v</a:t>
+              <a:t>n</a:t>
             </a:r>
             <a:r>
               <a:rPr lang="en-GB" sz="2200" baseline="-25000" dirty="0">
